--- a/ppt 16-9/0248.十架道路.pptx
+++ b/ppt 16-9/0248.十架道路.pptx
@@ -5,7 +5,7 @@
     <p:sldMasterId id="2147483648" r:id="rId1"/>
   </p:sldMasterIdLst>
   <p:sldIdLst>
-    <p:sldId id="3089" r:id="rId2"/>
+    <p:sldId id="3091" r:id="rId2"/>
   </p:sldIdLst>
   <p:sldSz cx="12192000" cy="6858000"/>
   <p:notesSz cx="6858000" cy="9144000"/>
@@ -129,7 +129,7 @@
           <p:cNvPr id="2" name="标题 1">
             <a:extLst>
               <a:ext uri="{FF2B5EF4-FFF2-40B4-BE49-F238E27FC236}">
-                <a16:creationId xmlns:a16="http://schemas.microsoft.com/office/drawing/2014/main" id="{AA5F5B6B-83BA-6822-E645-5231B169C9B5}"/>
+                <a16:creationId xmlns:a16="http://schemas.microsoft.com/office/drawing/2014/main" id="{929D8DB0-7101-A52F-0298-FF1AC01D2167}"/>
               </a:ext>
             </a:extLst>
           </p:cNvPr>
@@ -166,7 +166,7 @@
           <p:cNvPr id="3" name="副标题 2">
             <a:extLst>
               <a:ext uri="{FF2B5EF4-FFF2-40B4-BE49-F238E27FC236}">
-                <a16:creationId xmlns:a16="http://schemas.microsoft.com/office/drawing/2014/main" id="{A35E5C8F-EDE3-5F9A-6E0C-B24A4DE4F5DD}"/>
+                <a16:creationId xmlns:a16="http://schemas.microsoft.com/office/drawing/2014/main" id="{6CB46F81-7355-F74E-B93F-1F17436C35BC}"/>
               </a:ext>
             </a:extLst>
           </p:cNvPr>
@@ -236,7 +236,7 @@
           <p:cNvPr id="4" name="日期占位符 3">
             <a:extLst>
               <a:ext uri="{FF2B5EF4-FFF2-40B4-BE49-F238E27FC236}">
-                <a16:creationId xmlns:a16="http://schemas.microsoft.com/office/drawing/2014/main" id="{2D45AC7E-E47C-0425-25B7-FCBFE3BF3017}"/>
+                <a16:creationId xmlns:a16="http://schemas.microsoft.com/office/drawing/2014/main" id="{DBE3116F-CEF3-A1C2-DFC5-CCC11E4F659A}"/>
               </a:ext>
             </a:extLst>
           </p:cNvPr>
@@ -252,7 +252,7 @@
           <a:bodyPr/>
           <a:lstStyle/>
           <a:p>
-            <a:fld id="{F8662937-746A-4671-8235-C0C995902674}" type="datetimeFigureOut">
+            <a:fld id="{9FA78425-8058-4CBF-826D-724DF3C095E9}" type="datetimeFigureOut">
               <a:rPr lang="zh-CN" altLang="en-US" smtClean="0"/>
               <a:t>2024/3/10</a:t>
             </a:fld>
@@ -265,7 +265,7 @@
           <p:cNvPr id="5" name="页脚占位符 4">
             <a:extLst>
               <a:ext uri="{FF2B5EF4-FFF2-40B4-BE49-F238E27FC236}">
-                <a16:creationId xmlns:a16="http://schemas.microsoft.com/office/drawing/2014/main" id="{BD0D8C22-B8E0-227E-E71A-DEAA9509BA5F}"/>
+                <a16:creationId xmlns:a16="http://schemas.microsoft.com/office/drawing/2014/main" id="{E8CB23F0-654B-0FAB-3B1A-A33479769237}"/>
               </a:ext>
             </a:extLst>
           </p:cNvPr>
@@ -290,7 +290,7 @@
           <p:cNvPr id="6" name="灯片编号占位符 5">
             <a:extLst>
               <a:ext uri="{FF2B5EF4-FFF2-40B4-BE49-F238E27FC236}">
-                <a16:creationId xmlns:a16="http://schemas.microsoft.com/office/drawing/2014/main" id="{C9B0660F-BB8D-294E-E4BF-035611321DDD}"/>
+                <a16:creationId xmlns:a16="http://schemas.microsoft.com/office/drawing/2014/main" id="{46ECCF76-A6BB-7A5C-9704-BCBE789E6D5E}"/>
               </a:ext>
             </a:extLst>
           </p:cNvPr>
@@ -306,7 +306,7 @@
           <a:bodyPr/>
           <a:lstStyle/>
           <a:p>
-            <a:fld id="{8D9A50D0-DBD0-4D40-9645-7270EE2DBC01}" type="slidenum">
+            <a:fld id="{846AAB5B-9455-4F28-B148-AD1C52E4065E}" type="slidenum">
               <a:rPr lang="zh-CN" altLang="en-US" smtClean="0"/>
               <a:t>‹#›</a:t>
             </a:fld>
@@ -317,7 +317,7 @@
     </p:spTree>
     <p:extLst>
       <p:ext uri="{BB962C8B-B14F-4D97-AF65-F5344CB8AC3E}">
-        <p14:creationId xmlns:p14="http://schemas.microsoft.com/office/powerpoint/2010/main" val="752493171"/>
+        <p14:creationId xmlns:p14="http://schemas.microsoft.com/office/powerpoint/2010/main" val="208137399"/>
       </p:ext>
     </p:extLst>
   </p:cSld>
@@ -349,7 +349,7 @@
           <p:cNvPr id="2" name="标题 1">
             <a:extLst>
               <a:ext uri="{FF2B5EF4-FFF2-40B4-BE49-F238E27FC236}">
-                <a16:creationId xmlns:a16="http://schemas.microsoft.com/office/drawing/2014/main" id="{E2A80131-7C81-6689-E2D7-0EBEB5CB70A1}"/>
+                <a16:creationId xmlns:a16="http://schemas.microsoft.com/office/drawing/2014/main" id="{575D55C0-E155-C638-0008-B6C7EAEFEB3E}"/>
               </a:ext>
             </a:extLst>
           </p:cNvPr>
@@ -377,7 +377,7 @@
           <p:cNvPr id="3" name="竖排文字占位符 2">
             <a:extLst>
               <a:ext uri="{FF2B5EF4-FFF2-40B4-BE49-F238E27FC236}">
-                <a16:creationId xmlns:a16="http://schemas.microsoft.com/office/drawing/2014/main" id="{8915B03D-48F4-17D8-79E8-0B5A03F6240B}"/>
+                <a16:creationId xmlns:a16="http://schemas.microsoft.com/office/drawing/2014/main" id="{FDE92A4B-763A-22CD-94E8-0651107EEEFE}"/>
               </a:ext>
             </a:extLst>
           </p:cNvPr>
@@ -434,7 +434,7 @@
           <p:cNvPr id="4" name="日期占位符 3">
             <a:extLst>
               <a:ext uri="{FF2B5EF4-FFF2-40B4-BE49-F238E27FC236}">
-                <a16:creationId xmlns:a16="http://schemas.microsoft.com/office/drawing/2014/main" id="{E89BC7F3-EBCC-5DCB-4160-77816C8EEBE4}"/>
+                <a16:creationId xmlns:a16="http://schemas.microsoft.com/office/drawing/2014/main" id="{E68651B9-F34B-B607-B0C9-8BA622FF858E}"/>
               </a:ext>
             </a:extLst>
           </p:cNvPr>
@@ -450,7 +450,7 @@
           <a:bodyPr/>
           <a:lstStyle/>
           <a:p>
-            <a:fld id="{F8662937-746A-4671-8235-C0C995902674}" type="datetimeFigureOut">
+            <a:fld id="{9FA78425-8058-4CBF-826D-724DF3C095E9}" type="datetimeFigureOut">
               <a:rPr lang="zh-CN" altLang="en-US" smtClean="0"/>
               <a:t>2024/3/10</a:t>
             </a:fld>
@@ -463,7 +463,7 @@
           <p:cNvPr id="5" name="页脚占位符 4">
             <a:extLst>
               <a:ext uri="{FF2B5EF4-FFF2-40B4-BE49-F238E27FC236}">
-                <a16:creationId xmlns:a16="http://schemas.microsoft.com/office/drawing/2014/main" id="{405E312E-FC63-BBFD-1DD1-B79422ACA40A}"/>
+                <a16:creationId xmlns:a16="http://schemas.microsoft.com/office/drawing/2014/main" id="{6CCC432A-FA5D-6125-BD07-882398008BAE}"/>
               </a:ext>
             </a:extLst>
           </p:cNvPr>
@@ -488,7 +488,7 @@
           <p:cNvPr id="6" name="灯片编号占位符 5">
             <a:extLst>
               <a:ext uri="{FF2B5EF4-FFF2-40B4-BE49-F238E27FC236}">
-                <a16:creationId xmlns:a16="http://schemas.microsoft.com/office/drawing/2014/main" id="{3D697F4D-B5DA-1470-E034-CADF8AC302BB}"/>
+                <a16:creationId xmlns:a16="http://schemas.microsoft.com/office/drawing/2014/main" id="{F2B24362-434D-304C-B030-909B21FEFAF0}"/>
               </a:ext>
             </a:extLst>
           </p:cNvPr>
@@ -504,7 +504,7 @@
           <a:bodyPr/>
           <a:lstStyle/>
           <a:p>
-            <a:fld id="{8D9A50D0-DBD0-4D40-9645-7270EE2DBC01}" type="slidenum">
+            <a:fld id="{846AAB5B-9455-4F28-B148-AD1C52E4065E}" type="slidenum">
               <a:rPr lang="zh-CN" altLang="en-US" smtClean="0"/>
               <a:t>‹#›</a:t>
             </a:fld>
@@ -515,7 +515,7 @@
     </p:spTree>
     <p:extLst>
       <p:ext uri="{BB962C8B-B14F-4D97-AF65-F5344CB8AC3E}">
-        <p14:creationId xmlns:p14="http://schemas.microsoft.com/office/powerpoint/2010/main" val="78085312"/>
+        <p14:creationId xmlns:p14="http://schemas.microsoft.com/office/powerpoint/2010/main" val="2431708170"/>
       </p:ext>
     </p:extLst>
   </p:cSld>
@@ -547,7 +547,7 @@
           <p:cNvPr id="2" name="竖排标题 1">
             <a:extLst>
               <a:ext uri="{FF2B5EF4-FFF2-40B4-BE49-F238E27FC236}">
-                <a16:creationId xmlns:a16="http://schemas.microsoft.com/office/drawing/2014/main" id="{921D4127-6A10-1553-BF2E-E3CE75380B6B}"/>
+                <a16:creationId xmlns:a16="http://schemas.microsoft.com/office/drawing/2014/main" id="{32902C7F-5D36-A999-4228-409B93409912}"/>
               </a:ext>
             </a:extLst>
           </p:cNvPr>
@@ -580,7 +580,7 @@
           <p:cNvPr id="3" name="竖排文字占位符 2">
             <a:extLst>
               <a:ext uri="{FF2B5EF4-FFF2-40B4-BE49-F238E27FC236}">
-                <a16:creationId xmlns:a16="http://schemas.microsoft.com/office/drawing/2014/main" id="{12FA3A92-54D2-E873-7D97-9805A930157A}"/>
+                <a16:creationId xmlns:a16="http://schemas.microsoft.com/office/drawing/2014/main" id="{3174CA37-0FE5-F032-8EE9-52DD3D4C73B4}"/>
               </a:ext>
             </a:extLst>
           </p:cNvPr>
@@ -642,7 +642,7 @@
           <p:cNvPr id="4" name="日期占位符 3">
             <a:extLst>
               <a:ext uri="{FF2B5EF4-FFF2-40B4-BE49-F238E27FC236}">
-                <a16:creationId xmlns:a16="http://schemas.microsoft.com/office/drawing/2014/main" id="{4C77381F-987D-ABF1-F780-B5DDA51D459D}"/>
+                <a16:creationId xmlns:a16="http://schemas.microsoft.com/office/drawing/2014/main" id="{39F471A9-A89C-86DC-F1DC-DA728BB6F49F}"/>
               </a:ext>
             </a:extLst>
           </p:cNvPr>
@@ -658,7 +658,7 @@
           <a:bodyPr/>
           <a:lstStyle/>
           <a:p>
-            <a:fld id="{F8662937-746A-4671-8235-C0C995902674}" type="datetimeFigureOut">
+            <a:fld id="{9FA78425-8058-4CBF-826D-724DF3C095E9}" type="datetimeFigureOut">
               <a:rPr lang="zh-CN" altLang="en-US" smtClean="0"/>
               <a:t>2024/3/10</a:t>
             </a:fld>
@@ -671,7 +671,7 @@
           <p:cNvPr id="5" name="页脚占位符 4">
             <a:extLst>
               <a:ext uri="{FF2B5EF4-FFF2-40B4-BE49-F238E27FC236}">
-                <a16:creationId xmlns:a16="http://schemas.microsoft.com/office/drawing/2014/main" id="{C7D67C8A-5791-2803-50D2-6DF10349728E}"/>
+                <a16:creationId xmlns:a16="http://schemas.microsoft.com/office/drawing/2014/main" id="{CB76AC5B-45EA-C4E5-0B13-4EAA68670828}"/>
               </a:ext>
             </a:extLst>
           </p:cNvPr>
@@ -696,7 +696,7 @@
           <p:cNvPr id="6" name="灯片编号占位符 5">
             <a:extLst>
               <a:ext uri="{FF2B5EF4-FFF2-40B4-BE49-F238E27FC236}">
-                <a16:creationId xmlns:a16="http://schemas.microsoft.com/office/drawing/2014/main" id="{624CC822-C937-838B-DC34-2EE58108A5DA}"/>
+                <a16:creationId xmlns:a16="http://schemas.microsoft.com/office/drawing/2014/main" id="{312F5FA5-1673-8D6B-21EF-D56E84B5ED58}"/>
               </a:ext>
             </a:extLst>
           </p:cNvPr>
@@ -712,7 +712,7 @@
           <a:bodyPr/>
           <a:lstStyle/>
           <a:p>
-            <a:fld id="{8D9A50D0-DBD0-4D40-9645-7270EE2DBC01}" type="slidenum">
+            <a:fld id="{846AAB5B-9455-4F28-B148-AD1C52E4065E}" type="slidenum">
               <a:rPr lang="zh-CN" altLang="en-US" smtClean="0"/>
               <a:t>‹#›</a:t>
             </a:fld>
@@ -723,7 +723,7 @@
     </p:spTree>
     <p:extLst>
       <p:ext uri="{BB962C8B-B14F-4D97-AF65-F5344CB8AC3E}">
-        <p14:creationId xmlns:p14="http://schemas.microsoft.com/office/powerpoint/2010/main" val="1434321775"/>
+        <p14:creationId xmlns:p14="http://schemas.microsoft.com/office/powerpoint/2010/main" val="4044508751"/>
       </p:ext>
     </p:extLst>
   </p:cSld>
@@ -755,7 +755,7 @@
           <p:cNvPr id="2" name="标题 1">
             <a:extLst>
               <a:ext uri="{FF2B5EF4-FFF2-40B4-BE49-F238E27FC236}">
-                <a16:creationId xmlns:a16="http://schemas.microsoft.com/office/drawing/2014/main" id="{67FC6A80-1C5C-F121-5FE5-CAC9309F9A31}"/>
+                <a16:creationId xmlns:a16="http://schemas.microsoft.com/office/drawing/2014/main" id="{00BCD70F-B103-EF33-CD42-37DFDB326625}"/>
               </a:ext>
             </a:extLst>
           </p:cNvPr>
@@ -783,7 +783,7 @@
           <p:cNvPr id="3" name="内容占位符 2">
             <a:extLst>
               <a:ext uri="{FF2B5EF4-FFF2-40B4-BE49-F238E27FC236}">
-                <a16:creationId xmlns:a16="http://schemas.microsoft.com/office/drawing/2014/main" id="{4E7704D6-1350-181F-0160-A87687347079}"/>
+                <a16:creationId xmlns:a16="http://schemas.microsoft.com/office/drawing/2014/main" id="{17D58FC1-CC16-92E8-6AB8-94F1C3BD6179}"/>
               </a:ext>
             </a:extLst>
           </p:cNvPr>
@@ -840,7 +840,7 @@
           <p:cNvPr id="4" name="日期占位符 3">
             <a:extLst>
               <a:ext uri="{FF2B5EF4-FFF2-40B4-BE49-F238E27FC236}">
-                <a16:creationId xmlns:a16="http://schemas.microsoft.com/office/drawing/2014/main" id="{DD1AF240-08FD-803C-5741-89E9308F3506}"/>
+                <a16:creationId xmlns:a16="http://schemas.microsoft.com/office/drawing/2014/main" id="{B9979EA3-BFBB-98B3-3BF6-00CA64584849}"/>
               </a:ext>
             </a:extLst>
           </p:cNvPr>
@@ -856,7 +856,7 @@
           <a:bodyPr/>
           <a:lstStyle/>
           <a:p>
-            <a:fld id="{F8662937-746A-4671-8235-C0C995902674}" type="datetimeFigureOut">
+            <a:fld id="{9FA78425-8058-4CBF-826D-724DF3C095E9}" type="datetimeFigureOut">
               <a:rPr lang="zh-CN" altLang="en-US" smtClean="0"/>
               <a:t>2024/3/10</a:t>
             </a:fld>
@@ -869,7 +869,7 @@
           <p:cNvPr id="5" name="页脚占位符 4">
             <a:extLst>
               <a:ext uri="{FF2B5EF4-FFF2-40B4-BE49-F238E27FC236}">
-                <a16:creationId xmlns:a16="http://schemas.microsoft.com/office/drawing/2014/main" id="{286154EE-6B35-530B-3867-D1BBC451B206}"/>
+                <a16:creationId xmlns:a16="http://schemas.microsoft.com/office/drawing/2014/main" id="{101C3979-AEEE-BCA1-6C9B-E724A51F9F02}"/>
               </a:ext>
             </a:extLst>
           </p:cNvPr>
@@ -894,7 +894,7 @@
           <p:cNvPr id="6" name="灯片编号占位符 5">
             <a:extLst>
               <a:ext uri="{FF2B5EF4-FFF2-40B4-BE49-F238E27FC236}">
-                <a16:creationId xmlns:a16="http://schemas.microsoft.com/office/drawing/2014/main" id="{9CFB1F16-C520-9E6E-3752-5DE25DC08FFA}"/>
+                <a16:creationId xmlns:a16="http://schemas.microsoft.com/office/drawing/2014/main" id="{0CCB1B43-0DA7-0EAE-371F-A33D3BDD0039}"/>
               </a:ext>
             </a:extLst>
           </p:cNvPr>
@@ -910,7 +910,7 @@
           <a:bodyPr/>
           <a:lstStyle/>
           <a:p>
-            <a:fld id="{8D9A50D0-DBD0-4D40-9645-7270EE2DBC01}" type="slidenum">
+            <a:fld id="{846AAB5B-9455-4F28-B148-AD1C52E4065E}" type="slidenum">
               <a:rPr lang="zh-CN" altLang="en-US" smtClean="0"/>
               <a:t>‹#›</a:t>
             </a:fld>
@@ -921,7 +921,7 @@
     </p:spTree>
     <p:extLst>
       <p:ext uri="{BB962C8B-B14F-4D97-AF65-F5344CB8AC3E}">
-        <p14:creationId xmlns:p14="http://schemas.microsoft.com/office/powerpoint/2010/main" val="1374013124"/>
+        <p14:creationId xmlns:p14="http://schemas.microsoft.com/office/powerpoint/2010/main" val="718927105"/>
       </p:ext>
     </p:extLst>
   </p:cSld>
@@ -953,7 +953,7 @@
           <p:cNvPr id="2" name="标题 1">
             <a:extLst>
               <a:ext uri="{FF2B5EF4-FFF2-40B4-BE49-F238E27FC236}">
-                <a16:creationId xmlns:a16="http://schemas.microsoft.com/office/drawing/2014/main" id="{08D65DBC-519D-D61E-7CA1-0AC37078F603}"/>
+                <a16:creationId xmlns:a16="http://schemas.microsoft.com/office/drawing/2014/main" id="{0EF89D10-8141-F72B-B6EA-57FF33559877}"/>
               </a:ext>
             </a:extLst>
           </p:cNvPr>
@@ -990,7 +990,7 @@
           <p:cNvPr id="3" name="文本占位符 2">
             <a:extLst>
               <a:ext uri="{FF2B5EF4-FFF2-40B4-BE49-F238E27FC236}">
-                <a16:creationId xmlns:a16="http://schemas.microsoft.com/office/drawing/2014/main" id="{4F01718D-C3D7-2161-C551-199D6817A645}"/>
+                <a16:creationId xmlns:a16="http://schemas.microsoft.com/office/drawing/2014/main" id="{B587ED2C-1EEC-EED8-DC70-1FE6BCC3770A}"/>
               </a:ext>
             </a:extLst>
           </p:cNvPr>
@@ -1115,7 +1115,7 @@
           <p:cNvPr id="4" name="日期占位符 3">
             <a:extLst>
               <a:ext uri="{FF2B5EF4-FFF2-40B4-BE49-F238E27FC236}">
-                <a16:creationId xmlns:a16="http://schemas.microsoft.com/office/drawing/2014/main" id="{4606A3FF-7BFA-42BE-089A-AC3EA61CE155}"/>
+                <a16:creationId xmlns:a16="http://schemas.microsoft.com/office/drawing/2014/main" id="{C541FD52-67A0-DA38-F944-77FDF277BA76}"/>
               </a:ext>
             </a:extLst>
           </p:cNvPr>
@@ -1131,7 +1131,7 @@
           <a:bodyPr/>
           <a:lstStyle/>
           <a:p>
-            <a:fld id="{F8662937-746A-4671-8235-C0C995902674}" type="datetimeFigureOut">
+            <a:fld id="{9FA78425-8058-4CBF-826D-724DF3C095E9}" type="datetimeFigureOut">
               <a:rPr lang="zh-CN" altLang="en-US" smtClean="0"/>
               <a:t>2024/3/10</a:t>
             </a:fld>
@@ -1144,7 +1144,7 @@
           <p:cNvPr id="5" name="页脚占位符 4">
             <a:extLst>
               <a:ext uri="{FF2B5EF4-FFF2-40B4-BE49-F238E27FC236}">
-                <a16:creationId xmlns:a16="http://schemas.microsoft.com/office/drawing/2014/main" id="{14086606-6D70-687F-6AEF-FABC34A352F6}"/>
+                <a16:creationId xmlns:a16="http://schemas.microsoft.com/office/drawing/2014/main" id="{21DB51AC-DA36-9E60-492E-0578C9CE69BC}"/>
               </a:ext>
             </a:extLst>
           </p:cNvPr>
@@ -1169,7 +1169,7 @@
           <p:cNvPr id="6" name="灯片编号占位符 5">
             <a:extLst>
               <a:ext uri="{FF2B5EF4-FFF2-40B4-BE49-F238E27FC236}">
-                <a16:creationId xmlns:a16="http://schemas.microsoft.com/office/drawing/2014/main" id="{C44C1329-966B-A403-3D93-40F6134BF800}"/>
+                <a16:creationId xmlns:a16="http://schemas.microsoft.com/office/drawing/2014/main" id="{27CAAF19-EDF2-1D62-6DBF-B7731642DD64}"/>
               </a:ext>
             </a:extLst>
           </p:cNvPr>
@@ -1185,7 +1185,7 @@
           <a:bodyPr/>
           <a:lstStyle/>
           <a:p>
-            <a:fld id="{8D9A50D0-DBD0-4D40-9645-7270EE2DBC01}" type="slidenum">
+            <a:fld id="{846AAB5B-9455-4F28-B148-AD1C52E4065E}" type="slidenum">
               <a:rPr lang="zh-CN" altLang="en-US" smtClean="0"/>
               <a:t>‹#›</a:t>
             </a:fld>
@@ -1196,7 +1196,7 @@
     </p:spTree>
     <p:extLst>
       <p:ext uri="{BB962C8B-B14F-4D97-AF65-F5344CB8AC3E}">
-        <p14:creationId xmlns:p14="http://schemas.microsoft.com/office/powerpoint/2010/main" val="1726951678"/>
+        <p14:creationId xmlns:p14="http://schemas.microsoft.com/office/powerpoint/2010/main" val="3923924668"/>
       </p:ext>
     </p:extLst>
   </p:cSld>
@@ -1228,7 +1228,7 @@
           <p:cNvPr id="2" name="标题 1">
             <a:extLst>
               <a:ext uri="{FF2B5EF4-FFF2-40B4-BE49-F238E27FC236}">
-                <a16:creationId xmlns:a16="http://schemas.microsoft.com/office/drawing/2014/main" id="{9AFAAD90-4500-7823-022D-338003742CD2}"/>
+                <a16:creationId xmlns:a16="http://schemas.microsoft.com/office/drawing/2014/main" id="{BC89A5AA-E3C9-FC8C-3480-365519B83C61}"/>
               </a:ext>
             </a:extLst>
           </p:cNvPr>
@@ -1256,7 +1256,7 @@
           <p:cNvPr id="3" name="内容占位符 2">
             <a:extLst>
               <a:ext uri="{FF2B5EF4-FFF2-40B4-BE49-F238E27FC236}">
-                <a16:creationId xmlns:a16="http://schemas.microsoft.com/office/drawing/2014/main" id="{6CDADCDD-496D-7028-9A1F-057AB7F8A8E0}"/>
+                <a16:creationId xmlns:a16="http://schemas.microsoft.com/office/drawing/2014/main" id="{054085E6-3721-7F93-A22C-6955F3864E13}"/>
               </a:ext>
             </a:extLst>
           </p:cNvPr>
@@ -1318,7 +1318,7 @@
           <p:cNvPr id="4" name="内容占位符 3">
             <a:extLst>
               <a:ext uri="{FF2B5EF4-FFF2-40B4-BE49-F238E27FC236}">
-                <a16:creationId xmlns:a16="http://schemas.microsoft.com/office/drawing/2014/main" id="{D6FAF96F-ADEA-74FD-39F8-1EFDDBD4E44E}"/>
+                <a16:creationId xmlns:a16="http://schemas.microsoft.com/office/drawing/2014/main" id="{E0D1767B-F8C4-3C62-01F4-282EA953C57E}"/>
               </a:ext>
             </a:extLst>
           </p:cNvPr>
@@ -1380,7 +1380,7 @@
           <p:cNvPr id="5" name="日期占位符 4">
             <a:extLst>
               <a:ext uri="{FF2B5EF4-FFF2-40B4-BE49-F238E27FC236}">
-                <a16:creationId xmlns:a16="http://schemas.microsoft.com/office/drawing/2014/main" id="{41BB9FEA-E211-B47C-FE66-3768F248D285}"/>
+                <a16:creationId xmlns:a16="http://schemas.microsoft.com/office/drawing/2014/main" id="{C970F867-DB13-EC73-0501-178CC50968C2}"/>
               </a:ext>
             </a:extLst>
           </p:cNvPr>
@@ -1396,7 +1396,7 @@
           <a:bodyPr/>
           <a:lstStyle/>
           <a:p>
-            <a:fld id="{F8662937-746A-4671-8235-C0C995902674}" type="datetimeFigureOut">
+            <a:fld id="{9FA78425-8058-4CBF-826D-724DF3C095E9}" type="datetimeFigureOut">
               <a:rPr lang="zh-CN" altLang="en-US" smtClean="0"/>
               <a:t>2024/3/10</a:t>
             </a:fld>
@@ -1409,7 +1409,7 @@
           <p:cNvPr id="6" name="页脚占位符 5">
             <a:extLst>
               <a:ext uri="{FF2B5EF4-FFF2-40B4-BE49-F238E27FC236}">
-                <a16:creationId xmlns:a16="http://schemas.microsoft.com/office/drawing/2014/main" id="{8179FDE6-4721-6466-9CD2-6298C059B12C}"/>
+                <a16:creationId xmlns:a16="http://schemas.microsoft.com/office/drawing/2014/main" id="{CBB8517A-FC34-7E1F-ADA7-D9F9D33A5266}"/>
               </a:ext>
             </a:extLst>
           </p:cNvPr>
@@ -1434,7 +1434,7 @@
           <p:cNvPr id="7" name="灯片编号占位符 6">
             <a:extLst>
               <a:ext uri="{FF2B5EF4-FFF2-40B4-BE49-F238E27FC236}">
-                <a16:creationId xmlns:a16="http://schemas.microsoft.com/office/drawing/2014/main" id="{6D6EC0A5-53CE-D1F1-04A2-B2154DFF9524}"/>
+                <a16:creationId xmlns:a16="http://schemas.microsoft.com/office/drawing/2014/main" id="{EF3B540C-9131-BF67-4253-D04E57461E32}"/>
               </a:ext>
             </a:extLst>
           </p:cNvPr>
@@ -1450,7 +1450,7 @@
           <a:bodyPr/>
           <a:lstStyle/>
           <a:p>
-            <a:fld id="{8D9A50D0-DBD0-4D40-9645-7270EE2DBC01}" type="slidenum">
+            <a:fld id="{846AAB5B-9455-4F28-B148-AD1C52E4065E}" type="slidenum">
               <a:rPr lang="zh-CN" altLang="en-US" smtClean="0"/>
               <a:t>‹#›</a:t>
             </a:fld>
@@ -1461,7 +1461,7 @@
     </p:spTree>
     <p:extLst>
       <p:ext uri="{BB962C8B-B14F-4D97-AF65-F5344CB8AC3E}">
-        <p14:creationId xmlns:p14="http://schemas.microsoft.com/office/powerpoint/2010/main" val="3689115128"/>
+        <p14:creationId xmlns:p14="http://schemas.microsoft.com/office/powerpoint/2010/main" val="1564787453"/>
       </p:ext>
     </p:extLst>
   </p:cSld>
@@ -1493,7 +1493,7 @@
           <p:cNvPr id="2" name="标题 1">
             <a:extLst>
               <a:ext uri="{FF2B5EF4-FFF2-40B4-BE49-F238E27FC236}">
-                <a16:creationId xmlns:a16="http://schemas.microsoft.com/office/drawing/2014/main" id="{CB3606FE-1CB5-6309-ECA1-3B6256443FCD}"/>
+                <a16:creationId xmlns:a16="http://schemas.microsoft.com/office/drawing/2014/main" id="{4EF82A68-9A76-22E5-CAE9-B39D92F37431}"/>
               </a:ext>
             </a:extLst>
           </p:cNvPr>
@@ -1526,7 +1526,7 @@
           <p:cNvPr id="3" name="文本占位符 2">
             <a:extLst>
               <a:ext uri="{FF2B5EF4-FFF2-40B4-BE49-F238E27FC236}">
-                <a16:creationId xmlns:a16="http://schemas.microsoft.com/office/drawing/2014/main" id="{CBDA8AAF-3349-FDB2-51D6-595DAF016407}"/>
+                <a16:creationId xmlns:a16="http://schemas.microsoft.com/office/drawing/2014/main" id="{CD88495D-97E3-1710-494B-16846ADCD964}"/>
               </a:ext>
             </a:extLst>
           </p:cNvPr>
@@ -1597,7 +1597,7 @@
           <p:cNvPr id="4" name="内容占位符 3">
             <a:extLst>
               <a:ext uri="{FF2B5EF4-FFF2-40B4-BE49-F238E27FC236}">
-                <a16:creationId xmlns:a16="http://schemas.microsoft.com/office/drawing/2014/main" id="{F31FE80F-ACAC-2718-EC9B-809A89BB964D}"/>
+                <a16:creationId xmlns:a16="http://schemas.microsoft.com/office/drawing/2014/main" id="{62B1B363-EB93-DE14-656A-DEDD976182D7}"/>
               </a:ext>
             </a:extLst>
           </p:cNvPr>
@@ -1659,7 +1659,7 @@
           <p:cNvPr id="5" name="文本占位符 4">
             <a:extLst>
               <a:ext uri="{FF2B5EF4-FFF2-40B4-BE49-F238E27FC236}">
-                <a16:creationId xmlns:a16="http://schemas.microsoft.com/office/drawing/2014/main" id="{988884CE-0B83-4118-70F8-0E68B9060E0F}"/>
+                <a16:creationId xmlns:a16="http://schemas.microsoft.com/office/drawing/2014/main" id="{E1B48D7F-F3C3-F7D2-1BC4-3CD6E30F1C17}"/>
               </a:ext>
             </a:extLst>
           </p:cNvPr>
@@ -1730,7 +1730,7 @@
           <p:cNvPr id="6" name="内容占位符 5">
             <a:extLst>
               <a:ext uri="{FF2B5EF4-FFF2-40B4-BE49-F238E27FC236}">
-                <a16:creationId xmlns:a16="http://schemas.microsoft.com/office/drawing/2014/main" id="{F6A64747-D3B8-4AB2-C3B2-075C29D3E00C}"/>
+                <a16:creationId xmlns:a16="http://schemas.microsoft.com/office/drawing/2014/main" id="{5D2F82E9-B53B-C4BA-7BFD-561EA51BF767}"/>
               </a:ext>
             </a:extLst>
           </p:cNvPr>
@@ -1792,7 +1792,7 @@
           <p:cNvPr id="7" name="日期占位符 6">
             <a:extLst>
               <a:ext uri="{FF2B5EF4-FFF2-40B4-BE49-F238E27FC236}">
-                <a16:creationId xmlns:a16="http://schemas.microsoft.com/office/drawing/2014/main" id="{F6175E84-70FF-E308-00F1-18B1EE7E3DE6}"/>
+                <a16:creationId xmlns:a16="http://schemas.microsoft.com/office/drawing/2014/main" id="{79B63F20-9666-24A3-22D2-2D09A86EC3B6}"/>
               </a:ext>
             </a:extLst>
           </p:cNvPr>
@@ -1808,7 +1808,7 @@
           <a:bodyPr/>
           <a:lstStyle/>
           <a:p>
-            <a:fld id="{F8662937-746A-4671-8235-C0C995902674}" type="datetimeFigureOut">
+            <a:fld id="{9FA78425-8058-4CBF-826D-724DF3C095E9}" type="datetimeFigureOut">
               <a:rPr lang="zh-CN" altLang="en-US" smtClean="0"/>
               <a:t>2024/3/10</a:t>
             </a:fld>
@@ -1821,7 +1821,7 @@
           <p:cNvPr id="8" name="页脚占位符 7">
             <a:extLst>
               <a:ext uri="{FF2B5EF4-FFF2-40B4-BE49-F238E27FC236}">
-                <a16:creationId xmlns:a16="http://schemas.microsoft.com/office/drawing/2014/main" id="{325724BE-5C22-0B0B-CFDE-48916E3999C6}"/>
+                <a16:creationId xmlns:a16="http://schemas.microsoft.com/office/drawing/2014/main" id="{D440C935-1629-B123-CBEF-E08C18F687B3}"/>
               </a:ext>
             </a:extLst>
           </p:cNvPr>
@@ -1846,7 +1846,7 @@
           <p:cNvPr id="9" name="灯片编号占位符 8">
             <a:extLst>
               <a:ext uri="{FF2B5EF4-FFF2-40B4-BE49-F238E27FC236}">
-                <a16:creationId xmlns:a16="http://schemas.microsoft.com/office/drawing/2014/main" id="{46257D2F-8A99-A13C-CE2C-6EC6C3CF8654}"/>
+                <a16:creationId xmlns:a16="http://schemas.microsoft.com/office/drawing/2014/main" id="{659B10BB-F909-6193-ECB3-D0794330B9D1}"/>
               </a:ext>
             </a:extLst>
           </p:cNvPr>
@@ -1862,7 +1862,7 @@
           <a:bodyPr/>
           <a:lstStyle/>
           <a:p>
-            <a:fld id="{8D9A50D0-DBD0-4D40-9645-7270EE2DBC01}" type="slidenum">
+            <a:fld id="{846AAB5B-9455-4F28-B148-AD1C52E4065E}" type="slidenum">
               <a:rPr lang="zh-CN" altLang="en-US" smtClean="0"/>
               <a:t>‹#›</a:t>
             </a:fld>
@@ -1873,7 +1873,7 @@
     </p:spTree>
     <p:extLst>
       <p:ext uri="{BB962C8B-B14F-4D97-AF65-F5344CB8AC3E}">
-        <p14:creationId xmlns:p14="http://schemas.microsoft.com/office/powerpoint/2010/main" val="202144292"/>
+        <p14:creationId xmlns:p14="http://schemas.microsoft.com/office/powerpoint/2010/main" val="3802930596"/>
       </p:ext>
     </p:extLst>
   </p:cSld>
@@ -1905,7 +1905,7 @@
           <p:cNvPr id="2" name="标题 1">
             <a:extLst>
               <a:ext uri="{FF2B5EF4-FFF2-40B4-BE49-F238E27FC236}">
-                <a16:creationId xmlns:a16="http://schemas.microsoft.com/office/drawing/2014/main" id="{D62556BA-5E58-7835-6D11-DCD8C6DF4600}"/>
+                <a16:creationId xmlns:a16="http://schemas.microsoft.com/office/drawing/2014/main" id="{0FAFFEDB-8172-AADF-0845-35E404D191FD}"/>
               </a:ext>
             </a:extLst>
           </p:cNvPr>
@@ -1933,7 +1933,7 @@
           <p:cNvPr id="3" name="日期占位符 2">
             <a:extLst>
               <a:ext uri="{FF2B5EF4-FFF2-40B4-BE49-F238E27FC236}">
-                <a16:creationId xmlns:a16="http://schemas.microsoft.com/office/drawing/2014/main" id="{E3B2DC67-85A2-63FC-1E42-1A3636D0E332}"/>
+                <a16:creationId xmlns:a16="http://schemas.microsoft.com/office/drawing/2014/main" id="{3ACABD2C-4A0D-B01E-7AFC-7E6B01A4D903}"/>
               </a:ext>
             </a:extLst>
           </p:cNvPr>
@@ -1949,7 +1949,7 @@
           <a:bodyPr/>
           <a:lstStyle/>
           <a:p>
-            <a:fld id="{F8662937-746A-4671-8235-C0C995902674}" type="datetimeFigureOut">
+            <a:fld id="{9FA78425-8058-4CBF-826D-724DF3C095E9}" type="datetimeFigureOut">
               <a:rPr lang="zh-CN" altLang="en-US" smtClean="0"/>
               <a:t>2024/3/10</a:t>
             </a:fld>
@@ -1962,7 +1962,7 @@
           <p:cNvPr id="4" name="页脚占位符 3">
             <a:extLst>
               <a:ext uri="{FF2B5EF4-FFF2-40B4-BE49-F238E27FC236}">
-                <a16:creationId xmlns:a16="http://schemas.microsoft.com/office/drawing/2014/main" id="{A20CBBF8-AEAE-9534-67F3-4DB880A7AD6F}"/>
+                <a16:creationId xmlns:a16="http://schemas.microsoft.com/office/drawing/2014/main" id="{0F6F282E-08C2-1719-2AD8-7D08B2E62A3E}"/>
               </a:ext>
             </a:extLst>
           </p:cNvPr>
@@ -1987,7 +1987,7 @@
           <p:cNvPr id="5" name="灯片编号占位符 4">
             <a:extLst>
               <a:ext uri="{FF2B5EF4-FFF2-40B4-BE49-F238E27FC236}">
-                <a16:creationId xmlns:a16="http://schemas.microsoft.com/office/drawing/2014/main" id="{D5BD60EC-3301-38C8-6D60-656B15CDD5CF}"/>
+                <a16:creationId xmlns:a16="http://schemas.microsoft.com/office/drawing/2014/main" id="{0F736A38-C493-824C-AB44-280AA1B64114}"/>
               </a:ext>
             </a:extLst>
           </p:cNvPr>
@@ -2003,7 +2003,7 @@
           <a:bodyPr/>
           <a:lstStyle/>
           <a:p>
-            <a:fld id="{8D9A50D0-DBD0-4D40-9645-7270EE2DBC01}" type="slidenum">
+            <a:fld id="{846AAB5B-9455-4F28-B148-AD1C52E4065E}" type="slidenum">
               <a:rPr lang="zh-CN" altLang="en-US" smtClean="0"/>
               <a:t>‹#›</a:t>
             </a:fld>
@@ -2014,7 +2014,7 @@
     </p:spTree>
     <p:extLst>
       <p:ext uri="{BB962C8B-B14F-4D97-AF65-F5344CB8AC3E}">
-        <p14:creationId xmlns:p14="http://schemas.microsoft.com/office/powerpoint/2010/main" val="4236504340"/>
+        <p14:creationId xmlns:p14="http://schemas.microsoft.com/office/powerpoint/2010/main" val="3582794382"/>
       </p:ext>
     </p:extLst>
   </p:cSld>
@@ -2046,7 +2046,7 @@
           <p:cNvPr id="2" name="日期占位符 1">
             <a:extLst>
               <a:ext uri="{FF2B5EF4-FFF2-40B4-BE49-F238E27FC236}">
-                <a16:creationId xmlns:a16="http://schemas.microsoft.com/office/drawing/2014/main" id="{D1D946B3-BECD-ABBF-92AE-3A5B81FF76DC}"/>
+                <a16:creationId xmlns:a16="http://schemas.microsoft.com/office/drawing/2014/main" id="{54A8461A-DF54-FE43-5A8B-75FCB6CCC5D6}"/>
               </a:ext>
             </a:extLst>
           </p:cNvPr>
@@ -2062,7 +2062,7 @@
           <a:bodyPr/>
           <a:lstStyle/>
           <a:p>
-            <a:fld id="{F8662937-746A-4671-8235-C0C995902674}" type="datetimeFigureOut">
+            <a:fld id="{9FA78425-8058-4CBF-826D-724DF3C095E9}" type="datetimeFigureOut">
               <a:rPr lang="zh-CN" altLang="en-US" smtClean="0"/>
               <a:t>2024/3/10</a:t>
             </a:fld>
@@ -2075,7 +2075,7 @@
           <p:cNvPr id="3" name="页脚占位符 2">
             <a:extLst>
               <a:ext uri="{FF2B5EF4-FFF2-40B4-BE49-F238E27FC236}">
-                <a16:creationId xmlns:a16="http://schemas.microsoft.com/office/drawing/2014/main" id="{F12854DA-7C63-DD42-0E86-E2B14C1BBF43}"/>
+                <a16:creationId xmlns:a16="http://schemas.microsoft.com/office/drawing/2014/main" id="{3295B0F2-89AE-76A2-B229-88AB79F71C21}"/>
               </a:ext>
             </a:extLst>
           </p:cNvPr>
@@ -2100,7 +2100,7 @@
           <p:cNvPr id="4" name="灯片编号占位符 3">
             <a:extLst>
               <a:ext uri="{FF2B5EF4-FFF2-40B4-BE49-F238E27FC236}">
-                <a16:creationId xmlns:a16="http://schemas.microsoft.com/office/drawing/2014/main" id="{0FA09E96-E914-B1B6-37BA-9BCCCA55D56F}"/>
+                <a16:creationId xmlns:a16="http://schemas.microsoft.com/office/drawing/2014/main" id="{B7628EF8-C86A-D8CE-C356-E3D8BA33620E}"/>
               </a:ext>
             </a:extLst>
           </p:cNvPr>
@@ -2116,7 +2116,7 @@
           <a:bodyPr/>
           <a:lstStyle/>
           <a:p>
-            <a:fld id="{8D9A50D0-DBD0-4D40-9645-7270EE2DBC01}" type="slidenum">
+            <a:fld id="{846AAB5B-9455-4F28-B148-AD1C52E4065E}" type="slidenum">
               <a:rPr lang="zh-CN" altLang="en-US" smtClean="0"/>
               <a:t>‹#›</a:t>
             </a:fld>
@@ -2127,7 +2127,7 @@
     </p:spTree>
     <p:extLst>
       <p:ext uri="{BB962C8B-B14F-4D97-AF65-F5344CB8AC3E}">
-        <p14:creationId xmlns:p14="http://schemas.microsoft.com/office/powerpoint/2010/main" val="4224695828"/>
+        <p14:creationId xmlns:p14="http://schemas.microsoft.com/office/powerpoint/2010/main" val="2351086243"/>
       </p:ext>
     </p:extLst>
   </p:cSld>
@@ -2159,7 +2159,7 @@
           <p:cNvPr id="2" name="标题 1">
             <a:extLst>
               <a:ext uri="{FF2B5EF4-FFF2-40B4-BE49-F238E27FC236}">
-                <a16:creationId xmlns:a16="http://schemas.microsoft.com/office/drawing/2014/main" id="{8FFE7CF6-53FD-EBC0-ADB2-641C59D827D8}"/>
+                <a16:creationId xmlns:a16="http://schemas.microsoft.com/office/drawing/2014/main" id="{F80ED0EA-75D3-006A-1AE5-607B72FDD0E5}"/>
               </a:ext>
             </a:extLst>
           </p:cNvPr>
@@ -2196,7 +2196,7 @@
           <p:cNvPr id="3" name="内容占位符 2">
             <a:extLst>
               <a:ext uri="{FF2B5EF4-FFF2-40B4-BE49-F238E27FC236}">
-                <a16:creationId xmlns:a16="http://schemas.microsoft.com/office/drawing/2014/main" id="{6704164A-B04C-F879-3232-EA56C2442BDB}"/>
+                <a16:creationId xmlns:a16="http://schemas.microsoft.com/office/drawing/2014/main" id="{18AF5A5A-F843-42B3-191D-7E1B467B09EB}"/>
               </a:ext>
             </a:extLst>
           </p:cNvPr>
@@ -2286,7 +2286,7 @@
           <p:cNvPr id="4" name="文本占位符 3">
             <a:extLst>
               <a:ext uri="{FF2B5EF4-FFF2-40B4-BE49-F238E27FC236}">
-                <a16:creationId xmlns:a16="http://schemas.microsoft.com/office/drawing/2014/main" id="{D85817F8-B452-C6B9-6592-0789992CCA29}"/>
+                <a16:creationId xmlns:a16="http://schemas.microsoft.com/office/drawing/2014/main" id="{088EFA41-9D03-6352-F580-37D305E8621F}"/>
               </a:ext>
             </a:extLst>
           </p:cNvPr>
@@ -2357,7 +2357,7 @@
           <p:cNvPr id="5" name="日期占位符 4">
             <a:extLst>
               <a:ext uri="{FF2B5EF4-FFF2-40B4-BE49-F238E27FC236}">
-                <a16:creationId xmlns:a16="http://schemas.microsoft.com/office/drawing/2014/main" id="{541D1F13-86F3-E20D-00EB-F2E1695076E2}"/>
+                <a16:creationId xmlns:a16="http://schemas.microsoft.com/office/drawing/2014/main" id="{5C922A15-A684-B4E7-CC80-9E420B28FAEA}"/>
               </a:ext>
             </a:extLst>
           </p:cNvPr>
@@ -2373,7 +2373,7 @@
           <a:bodyPr/>
           <a:lstStyle/>
           <a:p>
-            <a:fld id="{F8662937-746A-4671-8235-C0C995902674}" type="datetimeFigureOut">
+            <a:fld id="{9FA78425-8058-4CBF-826D-724DF3C095E9}" type="datetimeFigureOut">
               <a:rPr lang="zh-CN" altLang="en-US" smtClean="0"/>
               <a:t>2024/3/10</a:t>
             </a:fld>
@@ -2386,7 +2386,7 @@
           <p:cNvPr id="6" name="页脚占位符 5">
             <a:extLst>
               <a:ext uri="{FF2B5EF4-FFF2-40B4-BE49-F238E27FC236}">
-                <a16:creationId xmlns:a16="http://schemas.microsoft.com/office/drawing/2014/main" id="{EDE59CBC-620A-C1AE-0872-B712A283B432}"/>
+                <a16:creationId xmlns:a16="http://schemas.microsoft.com/office/drawing/2014/main" id="{23952EDF-3AD0-8E77-2187-F27D0D37674A}"/>
               </a:ext>
             </a:extLst>
           </p:cNvPr>
@@ -2411,7 +2411,7 @@
           <p:cNvPr id="7" name="灯片编号占位符 6">
             <a:extLst>
               <a:ext uri="{FF2B5EF4-FFF2-40B4-BE49-F238E27FC236}">
-                <a16:creationId xmlns:a16="http://schemas.microsoft.com/office/drawing/2014/main" id="{972417B7-50BC-4509-C880-FAD5780EC5B4}"/>
+                <a16:creationId xmlns:a16="http://schemas.microsoft.com/office/drawing/2014/main" id="{342BDFE1-D38A-5819-E19F-976F5861ADA7}"/>
               </a:ext>
             </a:extLst>
           </p:cNvPr>
@@ -2427,7 +2427,7 @@
           <a:bodyPr/>
           <a:lstStyle/>
           <a:p>
-            <a:fld id="{8D9A50D0-DBD0-4D40-9645-7270EE2DBC01}" type="slidenum">
+            <a:fld id="{846AAB5B-9455-4F28-B148-AD1C52E4065E}" type="slidenum">
               <a:rPr lang="zh-CN" altLang="en-US" smtClean="0"/>
               <a:t>‹#›</a:t>
             </a:fld>
@@ -2438,7 +2438,7 @@
     </p:spTree>
     <p:extLst>
       <p:ext uri="{BB962C8B-B14F-4D97-AF65-F5344CB8AC3E}">
-        <p14:creationId xmlns:p14="http://schemas.microsoft.com/office/powerpoint/2010/main" val="3954316439"/>
+        <p14:creationId xmlns:p14="http://schemas.microsoft.com/office/powerpoint/2010/main" val="380593268"/>
       </p:ext>
     </p:extLst>
   </p:cSld>
@@ -2470,7 +2470,7 @@
           <p:cNvPr id="2" name="标题 1">
             <a:extLst>
               <a:ext uri="{FF2B5EF4-FFF2-40B4-BE49-F238E27FC236}">
-                <a16:creationId xmlns:a16="http://schemas.microsoft.com/office/drawing/2014/main" id="{42F6ACBF-0F2E-F1C7-8E3C-3C6626EE1854}"/>
+                <a16:creationId xmlns:a16="http://schemas.microsoft.com/office/drawing/2014/main" id="{8EE1CFE3-635D-EB1E-443C-29EF52849EEF}"/>
               </a:ext>
             </a:extLst>
           </p:cNvPr>
@@ -2507,7 +2507,7 @@
           <p:cNvPr id="3" name="图片占位符 2">
             <a:extLst>
               <a:ext uri="{FF2B5EF4-FFF2-40B4-BE49-F238E27FC236}">
-                <a16:creationId xmlns:a16="http://schemas.microsoft.com/office/drawing/2014/main" id="{651CF1B1-9B9E-D4F5-F8DC-2DE9E787295B}"/>
+                <a16:creationId xmlns:a16="http://schemas.microsoft.com/office/drawing/2014/main" id="{D832C667-8EA1-40C6-9253-FDD211D050BB}"/>
               </a:ext>
             </a:extLst>
           </p:cNvPr>
@@ -2574,7 +2574,7 @@
           <p:cNvPr id="4" name="文本占位符 3">
             <a:extLst>
               <a:ext uri="{FF2B5EF4-FFF2-40B4-BE49-F238E27FC236}">
-                <a16:creationId xmlns:a16="http://schemas.microsoft.com/office/drawing/2014/main" id="{21286FA4-B3C3-77D3-B2E1-E934BDE3361A}"/>
+                <a16:creationId xmlns:a16="http://schemas.microsoft.com/office/drawing/2014/main" id="{E08DAC95-89B6-2B55-5F94-0FC6E6E787C7}"/>
               </a:ext>
             </a:extLst>
           </p:cNvPr>
@@ -2645,7 +2645,7 @@
           <p:cNvPr id="5" name="日期占位符 4">
             <a:extLst>
               <a:ext uri="{FF2B5EF4-FFF2-40B4-BE49-F238E27FC236}">
-                <a16:creationId xmlns:a16="http://schemas.microsoft.com/office/drawing/2014/main" id="{B0ACFD92-7EEB-9E71-F06C-F6B2B96A8C42}"/>
+                <a16:creationId xmlns:a16="http://schemas.microsoft.com/office/drawing/2014/main" id="{73836545-BB0A-AB3A-5396-5850EED6EDF2}"/>
               </a:ext>
             </a:extLst>
           </p:cNvPr>
@@ -2661,7 +2661,7 @@
           <a:bodyPr/>
           <a:lstStyle/>
           <a:p>
-            <a:fld id="{F8662937-746A-4671-8235-C0C995902674}" type="datetimeFigureOut">
+            <a:fld id="{9FA78425-8058-4CBF-826D-724DF3C095E9}" type="datetimeFigureOut">
               <a:rPr lang="zh-CN" altLang="en-US" smtClean="0"/>
               <a:t>2024/3/10</a:t>
             </a:fld>
@@ -2674,7 +2674,7 @@
           <p:cNvPr id="6" name="页脚占位符 5">
             <a:extLst>
               <a:ext uri="{FF2B5EF4-FFF2-40B4-BE49-F238E27FC236}">
-                <a16:creationId xmlns:a16="http://schemas.microsoft.com/office/drawing/2014/main" id="{1B2154F3-3384-9914-63BB-C9551DF72293}"/>
+                <a16:creationId xmlns:a16="http://schemas.microsoft.com/office/drawing/2014/main" id="{21D8D981-9013-778A-F540-DD1240D98B09}"/>
               </a:ext>
             </a:extLst>
           </p:cNvPr>
@@ -2699,7 +2699,7 @@
           <p:cNvPr id="7" name="灯片编号占位符 6">
             <a:extLst>
               <a:ext uri="{FF2B5EF4-FFF2-40B4-BE49-F238E27FC236}">
-                <a16:creationId xmlns:a16="http://schemas.microsoft.com/office/drawing/2014/main" id="{E5686B3D-3FC7-87E7-10E9-FF9DA24B8978}"/>
+                <a16:creationId xmlns:a16="http://schemas.microsoft.com/office/drawing/2014/main" id="{26EB9A0B-230E-71EA-4B61-F7B94DE27C97}"/>
               </a:ext>
             </a:extLst>
           </p:cNvPr>
@@ -2715,7 +2715,7 @@
           <a:bodyPr/>
           <a:lstStyle/>
           <a:p>
-            <a:fld id="{8D9A50D0-DBD0-4D40-9645-7270EE2DBC01}" type="slidenum">
+            <a:fld id="{846AAB5B-9455-4F28-B148-AD1C52E4065E}" type="slidenum">
               <a:rPr lang="zh-CN" altLang="en-US" smtClean="0"/>
               <a:t>‹#›</a:t>
             </a:fld>
@@ -2726,7 +2726,7 @@
     </p:spTree>
     <p:extLst>
       <p:ext uri="{BB962C8B-B14F-4D97-AF65-F5344CB8AC3E}">
-        <p14:creationId xmlns:p14="http://schemas.microsoft.com/office/powerpoint/2010/main" val="2876910702"/>
+        <p14:creationId xmlns:p14="http://schemas.microsoft.com/office/powerpoint/2010/main" val="773912807"/>
       </p:ext>
     </p:extLst>
   </p:cSld>
@@ -2763,7 +2763,7 @@
           <p:cNvPr id="2" name="标题占位符 1">
             <a:extLst>
               <a:ext uri="{FF2B5EF4-FFF2-40B4-BE49-F238E27FC236}">
-                <a16:creationId xmlns:a16="http://schemas.microsoft.com/office/drawing/2014/main" id="{E5336D28-6707-6B1D-0253-578D8DE87C9F}"/>
+                <a16:creationId xmlns:a16="http://schemas.microsoft.com/office/drawing/2014/main" id="{00FF7FD1-7752-BB0B-0438-B98D1691B29C}"/>
               </a:ext>
             </a:extLst>
           </p:cNvPr>
@@ -2801,7 +2801,7 @@
           <p:cNvPr id="3" name="文本占位符 2">
             <a:extLst>
               <a:ext uri="{FF2B5EF4-FFF2-40B4-BE49-F238E27FC236}">
-                <a16:creationId xmlns:a16="http://schemas.microsoft.com/office/drawing/2014/main" id="{8EF13759-3D0A-8508-54DC-A0F96067BFDD}"/>
+                <a16:creationId xmlns:a16="http://schemas.microsoft.com/office/drawing/2014/main" id="{CE811F13-4CBF-A420-4572-CBB5A1C22BA1}"/>
               </a:ext>
             </a:extLst>
           </p:cNvPr>
@@ -2868,7 +2868,7 @@
           <p:cNvPr id="4" name="日期占位符 3">
             <a:extLst>
               <a:ext uri="{FF2B5EF4-FFF2-40B4-BE49-F238E27FC236}">
-                <a16:creationId xmlns:a16="http://schemas.microsoft.com/office/drawing/2014/main" id="{4A70C23A-835B-7EF1-CBAF-DF51178A7A4E}"/>
+                <a16:creationId xmlns:a16="http://schemas.microsoft.com/office/drawing/2014/main" id="{7B88DEDB-FB55-1BE3-067C-429556C36232}"/>
               </a:ext>
             </a:extLst>
           </p:cNvPr>
@@ -2902,7 +2902,7 @@
             </a:lvl1pPr>
           </a:lstStyle>
           <a:p>
-            <a:fld id="{F8662937-746A-4671-8235-C0C995902674}" type="datetimeFigureOut">
+            <a:fld id="{9FA78425-8058-4CBF-826D-724DF3C095E9}" type="datetimeFigureOut">
               <a:rPr lang="zh-CN" altLang="en-US" smtClean="0"/>
               <a:t>2024/3/10</a:t>
             </a:fld>
@@ -2915,7 +2915,7 @@
           <p:cNvPr id="5" name="页脚占位符 4">
             <a:extLst>
               <a:ext uri="{FF2B5EF4-FFF2-40B4-BE49-F238E27FC236}">
-                <a16:creationId xmlns:a16="http://schemas.microsoft.com/office/drawing/2014/main" id="{99C4FA7B-E8B5-F940-6075-B17440800CE4}"/>
+                <a16:creationId xmlns:a16="http://schemas.microsoft.com/office/drawing/2014/main" id="{E9BF3A3D-3E31-39A0-5254-BE59D60737C3}"/>
               </a:ext>
             </a:extLst>
           </p:cNvPr>
@@ -2958,7 +2958,7 @@
           <p:cNvPr id="6" name="灯片编号占位符 5">
             <a:extLst>
               <a:ext uri="{FF2B5EF4-FFF2-40B4-BE49-F238E27FC236}">
-                <a16:creationId xmlns:a16="http://schemas.microsoft.com/office/drawing/2014/main" id="{6747B1A5-31EC-0734-D881-919966F53DF1}"/>
+                <a16:creationId xmlns:a16="http://schemas.microsoft.com/office/drawing/2014/main" id="{0A010A48-4AB8-5136-41F6-1620D08C3D5B}"/>
               </a:ext>
             </a:extLst>
           </p:cNvPr>
@@ -2992,7 +2992,7 @@
             </a:lvl1pPr>
           </a:lstStyle>
           <a:p>
-            <a:fld id="{8D9A50D0-DBD0-4D40-9645-7270EE2DBC01}" type="slidenum">
+            <a:fld id="{846AAB5B-9455-4F28-B148-AD1C52E4065E}" type="slidenum">
               <a:rPr lang="zh-CN" altLang="en-US" smtClean="0"/>
               <a:t>‹#›</a:t>
             </a:fld>
@@ -3003,7 +3003,7 @@
     </p:spTree>
     <p:extLst>
       <p:ext uri="{BB962C8B-B14F-4D97-AF65-F5344CB8AC3E}">
-        <p14:creationId xmlns:p14="http://schemas.microsoft.com/office/powerpoint/2010/main" val="3458320321"/>
+        <p14:creationId xmlns:p14="http://schemas.microsoft.com/office/powerpoint/2010/main" val="1076217049"/>
       </p:ext>
     </p:extLst>
   </p:cSld>
@@ -3323,7 +3323,7 @@
       </p:grpSpPr>
       <p:pic>
         <p:nvPicPr>
-          <p:cNvPr id="253954" name="Picture 2" descr="247"/>
+          <p:cNvPr id="254978" name="Picture 2" descr="248"/>
           <p:cNvPicPr>
             <a:picLocks noChangeAspect="1" noChangeArrowheads="1"/>
           </p:cNvPicPr>
